--- a/assets/img/posters/poster_template.pptx
+++ b/assets/img/posters/poster_template.pptx
@@ -112,282 +112,38 @@
 </p:presentation>
 </file>
 
-<file path=ppt/revisionInfo.xml><?xml version="1.0" encoding="utf-8"?>
-<p1510:revInfo xmlns:a="http://schemas.openxmlformats.org/drawingml/2006/main" xmlns:r="http://schemas.openxmlformats.org/officeDocument/2006/relationships" xmlns:p1510="http://schemas.microsoft.com/office/powerpoint/2015/10/main">
-  <p1510:revLst>
-    <p1510:client id="{5F62AD5F-6708-4A32-9B09-E99F6BA2186A}" v="10" dt="2022-02-26T22:02:24.948"/>
-  </p1510:revLst>
-</p1510:revInfo>
-</file>
-
 <file path=ppt/changesInfos/changesInfo1.xml><?xml version="1.0" encoding="utf-8"?>
 <pc:chgInfo xmlns:a="http://schemas.openxmlformats.org/drawingml/2006/main" xmlns:r="http://schemas.openxmlformats.org/officeDocument/2006/relationships" xmlns:ac="http://schemas.microsoft.com/office/drawing/2013/main/command" xmlns:pc="http://schemas.microsoft.com/office/powerpoint/2013/main/command">
   <pc:docChgLst>
-    <pc:chgData name="Greg Johnson" userId="5a7d3f447d790330" providerId="LiveId" clId="{5F62AD5F-6708-4A32-9B09-E99F6BA2186A}"/>
-    <pc:docChg chg="undo custSel addSld modSld modMainMaster">
-      <pc:chgData name="Greg Johnson" userId="5a7d3f447d790330" providerId="LiveId" clId="{5F62AD5F-6708-4A32-9B09-E99F6BA2186A}" dt="2022-02-26T22:04:32.278" v="428" actId="408"/>
+    <pc:chgData name="Greg Johnson" userId="5a7d3f447d790330" providerId="LiveId" clId="{24EB524B-9BBA-4656-BC2F-41CF410F14EE}"/>
+    <pc:docChg chg="modSld">
+      <pc:chgData name="Greg Johnson" userId="5a7d3f447d790330" providerId="LiveId" clId="{24EB524B-9BBA-4656-BC2F-41CF410F14EE}" dt="2026-01-01T16:15:13.653" v="40" actId="207"/>
       <pc:docMkLst>
         <pc:docMk/>
       </pc:docMkLst>
-      <pc:sldChg chg="addSp delSp modSp new mod">
-        <pc:chgData name="Greg Johnson" userId="5a7d3f447d790330" providerId="LiveId" clId="{5F62AD5F-6708-4A32-9B09-E99F6BA2186A}" dt="2022-02-26T22:04:32.278" v="428" actId="408"/>
+      <pc:sldChg chg="modSp mod">
+        <pc:chgData name="Greg Johnson" userId="5a7d3f447d790330" providerId="LiveId" clId="{24EB524B-9BBA-4656-BC2F-41CF410F14EE}" dt="2026-01-01T16:15:13.653" v="40" actId="207"/>
         <pc:sldMkLst>
           <pc:docMk/>
           <pc:sldMk cId="3438016860" sldId="256"/>
         </pc:sldMkLst>
-        <pc:spChg chg="add mod">
-          <ac:chgData name="Greg Johnson" userId="5a7d3f447d790330" providerId="LiveId" clId="{5F62AD5F-6708-4A32-9B09-E99F6BA2186A}" dt="2022-02-26T22:03:48.136" v="410" actId="404"/>
+        <pc:spChg chg="mod">
+          <ac:chgData name="Greg Johnson" userId="5a7d3f447d790330" providerId="LiveId" clId="{24EB524B-9BBA-4656-BC2F-41CF410F14EE}" dt="2026-01-01T16:15:06.615" v="39" actId="207"/>
           <ac:spMkLst>
             <pc:docMk/>
             <pc:sldMk cId="3438016860" sldId="256"/>
             <ac:spMk id="2" creationId="{BC507B73-62C2-457D-B64C-0ACE52C60744}"/>
           </ac:spMkLst>
         </pc:spChg>
-        <pc:spChg chg="del">
-          <ac:chgData name="Greg Johnson" userId="5a7d3f447d790330" providerId="LiveId" clId="{5F62AD5F-6708-4A32-9B09-E99F6BA2186A}" dt="2022-02-26T19:20:38.232" v="2" actId="478"/>
-          <ac:spMkLst>
-            <pc:docMk/>
-            <pc:sldMk cId="3438016860" sldId="256"/>
-            <ac:spMk id="2" creationId="{F8A459D1-E40E-4CE5-9C87-D023CF7D10ED}"/>
-          </ac:spMkLst>
-        </pc:spChg>
-        <pc:spChg chg="add mod">
-          <ac:chgData name="Greg Johnson" userId="5a7d3f447d790330" providerId="LiveId" clId="{5F62AD5F-6708-4A32-9B09-E99F6BA2186A}" dt="2022-02-26T22:03:23.623" v="409" actId="1036"/>
+        <pc:spChg chg="mod">
+          <ac:chgData name="Greg Johnson" userId="5a7d3f447d790330" providerId="LiveId" clId="{24EB524B-9BBA-4656-BC2F-41CF410F14EE}" dt="2026-01-01T16:15:13.653" v="40" actId="207"/>
           <ac:spMkLst>
             <pc:docMk/>
             <pc:sldMk cId="3438016860" sldId="256"/>
             <ac:spMk id="3" creationId="{B2A45192-D528-48D7-9905-D944566680AC}"/>
           </ac:spMkLst>
         </pc:spChg>
-        <pc:spChg chg="del">
-          <ac:chgData name="Greg Johnson" userId="5a7d3f447d790330" providerId="LiveId" clId="{5F62AD5F-6708-4A32-9B09-E99F6BA2186A}" dt="2022-02-26T19:20:35.869" v="1" actId="478"/>
-          <ac:spMkLst>
-            <pc:docMk/>
-            <pc:sldMk cId="3438016860" sldId="256"/>
-            <ac:spMk id="3" creationId="{DB79FF7F-C5B6-4B51-A638-90B9CED3803A}"/>
-          </ac:spMkLst>
-        </pc:spChg>
-        <pc:spChg chg="add del mod">
-          <ac:chgData name="Greg Johnson" userId="5a7d3f447d790330" providerId="LiveId" clId="{5F62AD5F-6708-4A32-9B09-E99F6BA2186A}" dt="2022-02-26T22:02:12.265" v="293" actId="478"/>
-          <ac:spMkLst>
-            <pc:docMk/>
-            <pc:sldMk cId="3438016860" sldId="256"/>
-            <ac:spMk id="4" creationId="{36A78EA5-C4CB-4F7E-BF57-5F62598D521D}"/>
-          </ac:spMkLst>
-        </pc:spChg>
-        <pc:spChg chg="add del mod">
-          <ac:chgData name="Greg Johnson" userId="5a7d3f447d790330" providerId="LiveId" clId="{5F62AD5F-6708-4A32-9B09-E99F6BA2186A}" dt="2022-02-26T22:02:15.342" v="294" actId="478"/>
-          <ac:spMkLst>
-            <pc:docMk/>
-            <pc:sldMk cId="3438016860" sldId="256"/>
-            <ac:spMk id="5" creationId="{FA605CA1-D7D7-44A2-BC3D-CEE7050BAC07}"/>
-          </ac:spMkLst>
-        </pc:spChg>
-        <pc:spChg chg="add mod">
-          <ac:chgData name="Greg Johnson" userId="5a7d3f447d790330" providerId="LiveId" clId="{5F62AD5F-6708-4A32-9B09-E99F6BA2186A}" dt="2022-02-26T22:04:32.278" v="428" actId="408"/>
-          <ac:spMkLst>
-            <pc:docMk/>
-            <pc:sldMk cId="3438016860" sldId="256"/>
-            <ac:spMk id="6" creationId="{CE228589-2599-4024-A25B-D9235086B7B3}"/>
-          </ac:spMkLst>
-        </pc:spChg>
-        <pc:spChg chg="add mod">
-          <ac:chgData name="Greg Johnson" userId="5a7d3f447d790330" providerId="LiveId" clId="{5F62AD5F-6708-4A32-9B09-E99F6BA2186A}" dt="2022-02-26T22:04:25.131" v="427" actId="1038"/>
-          <ac:spMkLst>
-            <pc:docMk/>
-            <pc:sldMk cId="3438016860" sldId="256"/>
-            <ac:spMk id="7" creationId="{B3C060CD-7F3B-443A-BF70-CE862A6AAF38}"/>
-          </ac:spMkLst>
-        </pc:spChg>
       </pc:sldChg>
-      <pc:sldMasterChg chg="delSp mod addSldLayout delSldLayout modSldLayout">
-        <pc:chgData name="Greg Johnson" userId="5a7d3f447d790330" providerId="LiveId" clId="{5F62AD5F-6708-4A32-9B09-E99F6BA2186A}" dt="2022-02-26T19:42:10.972" v="16" actId="478"/>
-        <pc:sldMasterMkLst>
-          <pc:docMk/>
-          <pc:sldMasterMk cId="1775525276" sldId="2147483696"/>
-        </pc:sldMasterMkLst>
-        <pc:spChg chg="del">
-          <ac:chgData name="Greg Johnson" userId="5a7d3f447d790330" providerId="LiveId" clId="{5F62AD5F-6708-4A32-9B09-E99F6BA2186A}" dt="2022-02-26T19:42:06.380" v="15" actId="478"/>
-          <ac:spMkLst>
-            <pc:docMk/>
-            <pc:sldMasterMk cId="1775525276" sldId="2147483696"/>
-            <ac:spMk id="2" creationId="{00000000-0000-0000-0000-000000000000}"/>
-          </ac:spMkLst>
-        </pc:spChg>
-        <pc:spChg chg="del">
-          <ac:chgData name="Greg Johnson" userId="5a7d3f447d790330" providerId="LiveId" clId="{5F62AD5F-6708-4A32-9B09-E99F6BA2186A}" dt="2022-02-26T19:42:06.380" v="15" actId="478"/>
-          <ac:spMkLst>
-            <pc:docMk/>
-            <pc:sldMasterMk cId="1775525276" sldId="2147483696"/>
-            <ac:spMk id="3" creationId="{00000000-0000-0000-0000-000000000000}"/>
-          </ac:spMkLst>
-        </pc:spChg>
-        <pc:spChg chg="del">
-          <ac:chgData name="Greg Johnson" userId="5a7d3f447d790330" providerId="LiveId" clId="{5F62AD5F-6708-4A32-9B09-E99F6BA2186A}" dt="2022-02-26T19:42:06.380" v="15" actId="478"/>
-          <ac:spMkLst>
-            <pc:docMk/>
-            <pc:sldMasterMk cId="1775525276" sldId="2147483696"/>
-            <ac:spMk id="4" creationId="{00000000-0000-0000-0000-000000000000}"/>
-          </ac:spMkLst>
-        </pc:spChg>
-        <pc:spChg chg="del">
-          <ac:chgData name="Greg Johnson" userId="5a7d3f447d790330" providerId="LiveId" clId="{5F62AD5F-6708-4A32-9B09-E99F6BA2186A}" dt="2022-02-26T19:42:06.380" v="15" actId="478"/>
-          <ac:spMkLst>
-            <pc:docMk/>
-            <pc:sldMasterMk cId="1775525276" sldId="2147483696"/>
-            <ac:spMk id="5" creationId="{00000000-0000-0000-0000-000000000000}"/>
-          </ac:spMkLst>
-        </pc:spChg>
-        <pc:spChg chg="del">
-          <ac:chgData name="Greg Johnson" userId="5a7d3f447d790330" providerId="LiveId" clId="{5F62AD5F-6708-4A32-9B09-E99F6BA2186A}" dt="2022-02-26T19:42:06.380" v="15" actId="478"/>
-          <ac:spMkLst>
-            <pc:docMk/>
-            <pc:sldMasterMk cId="1775525276" sldId="2147483696"/>
-            <ac:spMk id="6" creationId="{00000000-0000-0000-0000-000000000000}"/>
-          </ac:spMkLst>
-        </pc:spChg>
-        <pc:sldLayoutChg chg="delSp mod">
-          <pc:chgData name="Greg Johnson" userId="5a7d3f447d790330" providerId="LiveId" clId="{5F62AD5F-6708-4A32-9B09-E99F6BA2186A}" dt="2022-02-26T19:42:10.972" v="16" actId="478"/>
-          <pc:sldLayoutMkLst>
-            <pc:docMk/>
-            <pc:sldMasterMk cId="1775525276" sldId="2147483696"/>
-            <pc:sldLayoutMk cId="1457160881" sldId="2147483697"/>
-          </pc:sldLayoutMkLst>
-          <pc:spChg chg="del">
-            <ac:chgData name="Greg Johnson" userId="5a7d3f447d790330" providerId="LiveId" clId="{5F62AD5F-6708-4A32-9B09-E99F6BA2186A}" dt="2022-02-26T19:42:10.972" v="16" actId="478"/>
-            <ac:spMkLst>
-              <pc:docMk/>
-              <pc:sldMasterMk cId="1775525276" sldId="2147483696"/>
-              <pc:sldLayoutMk cId="1457160881" sldId="2147483697"/>
-              <ac:spMk id="2" creationId="{00000000-0000-0000-0000-000000000000}"/>
-            </ac:spMkLst>
-          </pc:spChg>
-          <pc:spChg chg="del">
-            <ac:chgData name="Greg Johnson" userId="5a7d3f447d790330" providerId="LiveId" clId="{5F62AD5F-6708-4A32-9B09-E99F6BA2186A}" dt="2022-02-26T19:42:10.972" v="16" actId="478"/>
-            <ac:spMkLst>
-              <pc:docMk/>
-              <pc:sldMasterMk cId="1775525276" sldId="2147483696"/>
-              <pc:sldLayoutMk cId="1457160881" sldId="2147483697"/>
-              <ac:spMk id="3" creationId="{00000000-0000-0000-0000-000000000000}"/>
-            </ac:spMkLst>
-          </pc:spChg>
-          <pc:spChg chg="del">
-            <ac:chgData name="Greg Johnson" userId="5a7d3f447d790330" providerId="LiveId" clId="{5F62AD5F-6708-4A32-9B09-E99F6BA2186A}" dt="2022-02-26T19:42:10.972" v="16" actId="478"/>
-            <ac:spMkLst>
-              <pc:docMk/>
-              <pc:sldMasterMk cId="1775525276" sldId="2147483696"/>
-              <pc:sldLayoutMk cId="1457160881" sldId="2147483697"/>
-              <ac:spMk id="4" creationId="{00000000-0000-0000-0000-000000000000}"/>
-            </ac:spMkLst>
-          </pc:spChg>
-          <pc:spChg chg="del">
-            <ac:chgData name="Greg Johnson" userId="5a7d3f447d790330" providerId="LiveId" clId="{5F62AD5F-6708-4A32-9B09-E99F6BA2186A}" dt="2022-02-26T19:42:10.972" v="16" actId="478"/>
-            <ac:spMkLst>
-              <pc:docMk/>
-              <pc:sldMasterMk cId="1775525276" sldId="2147483696"/>
-              <pc:sldLayoutMk cId="1457160881" sldId="2147483697"/>
-              <ac:spMk id="5" creationId="{00000000-0000-0000-0000-000000000000}"/>
-            </ac:spMkLst>
-          </pc:spChg>
-          <pc:spChg chg="del">
-            <ac:chgData name="Greg Johnson" userId="5a7d3f447d790330" providerId="LiveId" clId="{5F62AD5F-6708-4A32-9B09-E99F6BA2186A}" dt="2022-02-26T19:42:10.972" v="16" actId="478"/>
-            <ac:spMkLst>
-              <pc:docMk/>
-              <pc:sldMasterMk cId="1775525276" sldId="2147483696"/>
-              <pc:sldLayoutMk cId="1457160881" sldId="2147483697"/>
-              <ac:spMk id="6" creationId="{00000000-0000-0000-0000-000000000000}"/>
-            </ac:spMkLst>
-          </pc:spChg>
-        </pc:sldLayoutChg>
-        <pc:sldLayoutChg chg="new del mod">
-          <pc:chgData name="Greg Johnson" userId="5a7d3f447d790330" providerId="LiveId" clId="{5F62AD5F-6708-4A32-9B09-E99F6BA2186A}" dt="2022-02-26T19:42:02.163" v="14" actId="2696"/>
-          <pc:sldLayoutMkLst>
-            <pc:docMk/>
-            <pc:sldMasterMk cId="1775525276" sldId="2147483696"/>
-            <pc:sldLayoutMk cId="2180788465" sldId="2147483698"/>
-          </pc:sldLayoutMkLst>
-        </pc:sldLayoutChg>
-        <pc:sldLayoutChg chg="del">
-          <pc:chgData name="Greg Johnson" userId="5a7d3f447d790330" providerId="LiveId" clId="{5F62AD5F-6708-4A32-9B09-E99F6BA2186A}" dt="2022-02-26T19:41:56.385" v="3" actId="2696"/>
-          <pc:sldLayoutMkLst>
-            <pc:docMk/>
-            <pc:sldMasterMk cId="1775525276" sldId="2147483696"/>
-            <pc:sldLayoutMk cId="3601376386" sldId="2147483698"/>
-          </pc:sldLayoutMkLst>
-        </pc:sldLayoutChg>
-        <pc:sldLayoutChg chg="del">
-          <pc:chgData name="Greg Johnson" userId="5a7d3f447d790330" providerId="LiveId" clId="{5F62AD5F-6708-4A32-9B09-E99F6BA2186A}" dt="2022-02-26T19:41:56.393" v="4" actId="2696"/>
-          <pc:sldLayoutMkLst>
-            <pc:docMk/>
-            <pc:sldMasterMk cId="1775525276" sldId="2147483696"/>
-            <pc:sldLayoutMk cId="4202368440" sldId="2147483699"/>
-          </pc:sldLayoutMkLst>
-        </pc:sldLayoutChg>
-        <pc:sldLayoutChg chg="del">
-          <pc:chgData name="Greg Johnson" userId="5a7d3f447d790330" providerId="LiveId" clId="{5F62AD5F-6708-4A32-9B09-E99F6BA2186A}" dt="2022-02-26T19:41:56.405" v="5" actId="2696"/>
-          <pc:sldLayoutMkLst>
-            <pc:docMk/>
-            <pc:sldMasterMk cId="1775525276" sldId="2147483696"/>
-            <pc:sldLayoutMk cId="4092945848" sldId="2147483700"/>
-          </pc:sldLayoutMkLst>
-        </pc:sldLayoutChg>
-        <pc:sldLayoutChg chg="del">
-          <pc:chgData name="Greg Johnson" userId="5a7d3f447d790330" providerId="LiveId" clId="{5F62AD5F-6708-4A32-9B09-E99F6BA2186A}" dt="2022-02-26T19:41:56.421" v="6" actId="2696"/>
-          <pc:sldLayoutMkLst>
-            <pc:docMk/>
-            <pc:sldMasterMk cId="1775525276" sldId="2147483696"/>
-            <pc:sldLayoutMk cId="1034229818" sldId="2147483701"/>
-          </pc:sldLayoutMkLst>
-        </pc:sldLayoutChg>
-        <pc:sldLayoutChg chg="del">
-          <pc:chgData name="Greg Johnson" userId="5a7d3f447d790330" providerId="LiveId" clId="{5F62AD5F-6708-4A32-9B09-E99F6BA2186A}" dt="2022-02-26T19:41:56.429" v="7" actId="2696"/>
-          <pc:sldLayoutMkLst>
-            <pc:docMk/>
-            <pc:sldMasterMk cId="1775525276" sldId="2147483696"/>
-            <pc:sldLayoutMk cId="3114817804" sldId="2147483702"/>
-          </pc:sldLayoutMkLst>
-        </pc:sldLayoutChg>
-        <pc:sldLayoutChg chg="del">
-          <pc:chgData name="Greg Johnson" userId="5a7d3f447d790330" providerId="LiveId" clId="{5F62AD5F-6708-4A32-9B09-E99F6BA2186A}" dt="2022-02-26T19:41:56.435" v="8" actId="2696"/>
-          <pc:sldLayoutMkLst>
-            <pc:docMk/>
-            <pc:sldMasterMk cId="1775525276" sldId="2147483696"/>
-            <pc:sldLayoutMk cId="421418075" sldId="2147483703"/>
-          </pc:sldLayoutMkLst>
-        </pc:sldLayoutChg>
-        <pc:sldLayoutChg chg="del">
-          <pc:chgData name="Greg Johnson" userId="5a7d3f447d790330" providerId="LiveId" clId="{5F62AD5F-6708-4A32-9B09-E99F6BA2186A}" dt="2022-02-26T19:41:56.446" v="9" actId="2696"/>
-          <pc:sldLayoutMkLst>
-            <pc:docMk/>
-            <pc:sldMasterMk cId="1775525276" sldId="2147483696"/>
-            <pc:sldLayoutMk cId="4260114111" sldId="2147483704"/>
-          </pc:sldLayoutMkLst>
-        </pc:sldLayoutChg>
-        <pc:sldLayoutChg chg="del">
-          <pc:chgData name="Greg Johnson" userId="5a7d3f447d790330" providerId="LiveId" clId="{5F62AD5F-6708-4A32-9B09-E99F6BA2186A}" dt="2022-02-26T19:41:56.454" v="10" actId="2696"/>
-          <pc:sldLayoutMkLst>
-            <pc:docMk/>
-            <pc:sldMasterMk cId="1775525276" sldId="2147483696"/>
-            <pc:sldLayoutMk cId="2935564249" sldId="2147483705"/>
-          </pc:sldLayoutMkLst>
-        </pc:sldLayoutChg>
-        <pc:sldLayoutChg chg="del">
-          <pc:chgData name="Greg Johnson" userId="5a7d3f447d790330" providerId="LiveId" clId="{5F62AD5F-6708-4A32-9B09-E99F6BA2186A}" dt="2022-02-26T19:41:56.463" v="11" actId="2696"/>
-          <pc:sldLayoutMkLst>
-            <pc:docMk/>
-            <pc:sldMasterMk cId="1775525276" sldId="2147483696"/>
-            <pc:sldLayoutMk cId="4058224224" sldId="2147483706"/>
-          </pc:sldLayoutMkLst>
-        </pc:sldLayoutChg>
-        <pc:sldLayoutChg chg="del">
-          <pc:chgData name="Greg Johnson" userId="5a7d3f447d790330" providerId="LiveId" clId="{5F62AD5F-6708-4A32-9B09-E99F6BA2186A}" dt="2022-02-26T19:41:56.472" v="12" actId="2696"/>
-          <pc:sldLayoutMkLst>
-            <pc:docMk/>
-            <pc:sldMasterMk cId="1775525276" sldId="2147483696"/>
-            <pc:sldLayoutMk cId="2778212411" sldId="2147483707"/>
-          </pc:sldLayoutMkLst>
-        </pc:sldLayoutChg>
-      </pc:sldMasterChg>
     </pc:docChg>
   </pc:docChgLst>
 </pc:chgInfo>
@@ -796,7 +552,16 @@
               <a:rPr lang="en-US" sz="8800" dirty="0">
                 <a:latin typeface="Lato" panose="020F0502020204030203" pitchFamily="34" charset="0"/>
               </a:rPr>
-              <a:t>My Philosophy: Prepare to be blown away</a:t>
+              <a:t>My Philosophy: Prepare to be blown away </a:t>
+            </a:r>
+            <a:r>
+              <a:rPr lang="en-US" sz="8800" dirty="0">
+                <a:solidFill>
+                  <a:srgbClr val="C00000"/>
+                </a:solidFill>
+                <a:latin typeface="Lato" panose="020F0502020204030203" pitchFamily="34" charset="0"/>
+              </a:rPr>
+              <a:t>[88 pt font]</a:t>
             </a:r>
           </a:p>
           <a:p>
@@ -894,7 +659,16 @@
               <a:rPr lang="en-US" sz="2800" dirty="0">
                 <a:latin typeface="Lato" panose="020F0502020204030203" pitchFamily="34" charset="0"/>
               </a:rPr>
-              <a:t>The quick brown fox jumped over the lazy dog.</a:t>
+              <a:t>The quick brown fox jumped over the lazy dog. </a:t>
+            </a:r>
+            <a:r>
+              <a:rPr lang="en-US" sz="2800" b="1" dirty="0">
+                <a:solidFill>
+                  <a:srgbClr val="C00000"/>
+                </a:solidFill>
+                <a:latin typeface="Lato" panose="020F0502020204030203" pitchFamily="34" charset="0"/>
+              </a:rPr>
+              <a:t>[28 pt font]</a:t>
             </a:r>
           </a:p>
         </p:txBody>
